--- a/esw2021/제출자료/TCP/TCP.pptx
+++ b/esw2021/제출자료/TCP/TCP.pptx
@@ -6,6 +6,7 @@
   </p:sldMasterIdLst>
   <p:sldIdLst>
     <p:sldId id="256" r:id="rId2"/>
+    <p:sldId id="257" r:id="rId3"/>
   </p:sldIdLst>
   <p:sldSz cx="12192000" cy="6858000"/>
   <p:notesSz cx="6858000" cy="9144000"/>
@@ -104,6 +105,11 @@
       </a:defRPr>
     </a:lvl9pPr>
   </p:defaultTextStyle>
+  <p:extLst>
+    <p:ext uri="{EFAFB233-063F-42B5-8137-9DF3F51BA10A}">
+      <p15:sldGuideLst xmlns:p15="http://schemas.microsoft.com/office/powerpoint/2012/main"/>
+    </p:ext>
+  </p:extLst>
 </p:presentation>
 </file>
 
@@ -254,7 +260,7 @@
           <a:p>
             <a:fld id="{FDE2ED83-BDD1-4C62-BC35-194BA4BE8736}" type="datetimeFigureOut">
               <a:rPr lang="ko-KR" altLang="en-US" smtClean="0"/>
-              <a:t>2021-09-22</a:t>
+              <a:t>2021-09-23</a:t>
             </a:fld>
             <a:endParaRPr lang="ko-KR" altLang="en-US"/>
           </a:p>
@@ -452,7 +458,7 @@
           <a:p>
             <a:fld id="{FDE2ED83-BDD1-4C62-BC35-194BA4BE8736}" type="datetimeFigureOut">
               <a:rPr lang="ko-KR" altLang="en-US" smtClean="0"/>
-              <a:t>2021-09-22</a:t>
+              <a:t>2021-09-23</a:t>
             </a:fld>
             <a:endParaRPr lang="ko-KR" altLang="en-US"/>
           </a:p>
@@ -660,7 +666,7 @@
           <a:p>
             <a:fld id="{FDE2ED83-BDD1-4C62-BC35-194BA4BE8736}" type="datetimeFigureOut">
               <a:rPr lang="ko-KR" altLang="en-US" smtClean="0"/>
-              <a:t>2021-09-22</a:t>
+              <a:t>2021-09-23</a:t>
             </a:fld>
             <a:endParaRPr lang="ko-KR" altLang="en-US"/>
           </a:p>
@@ -858,7 +864,7 @@
           <a:p>
             <a:fld id="{FDE2ED83-BDD1-4C62-BC35-194BA4BE8736}" type="datetimeFigureOut">
               <a:rPr lang="ko-KR" altLang="en-US" smtClean="0"/>
-              <a:t>2021-09-22</a:t>
+              <a:t>2021-09-23</a:t>
             </a:fld>
             <a:endParaRPr lang="ko-KR" altLang="en-US"/>
           </a:p>
@@ -1133,7 +1139,7 @@
           <a:p>
             <a:fld id="{FDE2ED83-BDD1-4C62-BC35-194BA4BE8736}" type="datetimeFigureOut">
               <a:rPr lang="ko-KR" altLang="en-US" smtClean="0"/>
-              <a:t>2021-09-22</a:t>
+              <a:t>2021-09-23</a:t>
             </a:fld>
             <a:endParaRPr lang="ko-KR" altLang="en-US"/>
           </a:p>
@@ -1398,7 +1404,7 @@
           <a:p>
             <a:fld id="{FDE2ED83-BDD1-4C62-BC35-194BA4BE8736}" type="datetimeFigureOut">
               <a:rPr lang="ko-KR" altLang="en-US" smtClean="0"/>
-              <a:t>2021-09-22</a:t>
+              <a:t>2021-09-23</a:t>
             </a:fld>
             <a:endParaRPr lang="ko-KR" altLang="en-US"/>
           </a:p>
@@ -1810,7 +1816,7 @@
           <a:p>
             <a:fld id="{FDE2ED83-BDD1-4C62-BC35-194BA4BE8736}" type="datetimeFigureOut">
               <a:rPr lang="ko-KR" altLang="en-US" smtClean="0"/>
-              <a:t>2021-09-22</a:t>
+              <a:t>2021-09-23</a:t>
             </a:fld>
             <a:endParaRPr lang="ko-KR" altLang="en-US"/>
           </a:p>
@@ -1951,7 +1957,7 @@
           <a:p>
             <a:fld id="{FDE2ED83-BDD1-4C62-BC35-194BA4BE8736}" type="datetimeFigureOut">
               <a:rPr lang="ko-KR" altLang="en-US" smtClean="0"/>
-              <a:t>2021-09-22</a:t>
+              <a:t>2021-09-23</a:t>
             </a:fld>
             <a:endParaRPr lang="ko-KR" altLang="en-US"/>
           </a:p>
@@ -2064,7 +2070,7 @@
           <a:p>
             <a:fld id="{FDE2ED83-BDD1-4C62-BC35-194BA4BE8736}" type="datetimeFigureOut">
               <a:rPr lang="ko-KR" altLang="en-US" smtClean="0"/>
-              <a:t>2021-09-22</a:t>
+              <a:t>2021-09-23</a:t>
             </a:fld>
             <a:endParaRPr lang="ko-KR" altLang="en-US"/>
           </a:p>
@@ -2375,7 +2381,7 @@
           <a:p>
             <a:fld id="{FDE2ED83-BDD1-4C62-BC35-194BA4BE8736}" type="datetimeFigureOut">
               <a:rPr lang="ko-KR" altLang="en-US" smtClean="0"/>
-              <a:t>2021-09-22</a:t>
+              <a:t>2021-09-23</a:t>
             </a:fld>
             <a:endParaRPr lang="ko-KR" altLang="en-US"/>
           </a:p>
@@ -2663,7 +2669,7 @@
           <a:p>
             <a:fld id="{FDE2ED83-BDD1-4C62-BC35-194BA4BE8736}" type="datetimeFigureOut">
               <a:rPr lang="ko-KR" altLang="en-US" smtClean="0"/>
-              <a:t>2021-09-22</a:t>
+              <a:t>2021-09-23</a:t>
             </a:fld>
             <a:endParaRPr lang="ko-KR" altLang="en-US"/>
           </a:p>
@@ -2904,7 +2910,7 @@
           <a:p>
             <a:fld id="{FDE2ED83-BDD1-4C62-BC35-194BA4BE8736}" type="datetimeFigureOut">
               <a:rPr lang="ko-KR" altLang="en-US" smtClean="0"/>
-              <a:t>2021-09-22</a:t>
+              <a:t>2021-09-23</a:t>
             </a:fld>
             <a:endParaRPr lang="ko-KR" altLang="en-US"/>
           </a:p>
@@ -3616,7 +3622,7 @@
         <p:spPr>
           <a:xfrm>
             <a:off x="3830825" y="397128"/>
-            <a:ext cx="1718368" cy="400110"/>
+            <a:ext cx="1718368" cy="430887"/>
           </a:xfrm>
           <a:prstGeom prst="rect">
             <a:avLst/>
@@ -3633,7 +3639,7 @@
               <a:buAutoNum type="arabicPeriod"/>
             </a:pPr>
             <a:r>
-              <a:rPr lang="en-US" altLang="ko-KR" sz="1000" dirty="0"/>
+              <a:rPr lang="en-US" altLang="ko-KR" sz="1100" dirty="0"/>
               <a:t>Decode sentence</a:t>
             </a:r>
           </a:p>
@@ -3642,10 +3648,10 @@
               <a:buAutoNum type="arabicPeriod"/>
             </a:pPr>
             <a:r>
-              <a:rPr lang="en-US" altLang="ko-KR" sz="1000" dirty="0"/>
+              <a:rPr lang="en-US" altLang="ko-KR" sz="1100" dirty="0"/>
               <a:t>Rescore sentence</a:t>
             </a:r>
-            <a:endParaRPr lang="ko-KR" altLang="en-US" sz="1000" dirty="0"/>
+            <a:endParaRPr lang="ko-KR" altLang="en-US" sz="1100" dirty="0"/>
           </a:p>
         </p:txBody>
       </p:sp>
@@ -3664,7 +3670,7 @@
         <p:spPr>
           <a:xfrm>
             <a:off x="3838674" y="980476"/>
-            <a:ext cx="2015593" cy="400110"/>
+            <a:ext cx="2064218" cy="430887"/>
           </a:xfrm>
           <a:prstGeom prst="rect">
             <a:avLst/>
@@ -3681,7 +3687,7 @@
               <a:buAutoNum type="arabicPeriod"/>
             </a:pPr>
             <a:r>
-              <a:rPr lang="en-US" altLang="ko-KR" sz="1000" dirty="0"/>
+              <a:rPr lang="en-US" altLang="ko-KR" sz="1100" dirty="0"/>
               <a:t>Decode space sentence</a:t>
             </a:r>
           </a:p>
@@ -3690,10 +3696,10 @@
               <a:buAutoNum type="arabicPeriod"/>
             </a:pPr>
             <a:r>
-              <a:rPr lang="en-US" altLang="ko-KR" sz="1000" dirty="0"/>
+              <a:rPr lang="en-US" altLang="ko-KR" sz="1100" dirty="0"/>
               <a:t>Rescore space sentence</a:t>
             </a:r>
-            <a:endParaRPr lang="ko-KR" altLang="en-US" sz="1000" dirty="0"/>
+            <a:endParaRPr lang="ko-KR" altLang="en-US" sz="1100" dirty="0"/>
           </a:p>
         </p:txBody>
       </p:sp>
@@ -3711,10 +3717,10 @@
         </p:nvGrpSpPr>
         <p:grpSpPr>
           <a:xfrm>
-            <a:off x="3722962" y="3229116"/>
-            <a:ext cx="4184102" cy="1288376"/>
-            <a:chOff x="3653575" y="1618080"/>
-            <a:chExt cx="4184102" cy="1288376"/>
+            <a:off x="3722962" y="3136276"/>
+            <a:ext cx="4184102" cy="1418809"/>
+            <a:chOff x="3653575" y="1525240"/>
+            <a:chExt cx="4184102" cy="1418809"/>
           </a:xfrm>
         </p:grpSpPr>
         <p:sp>
@@ -3793,8 +3799,8 @@
           </p:nvSpPr>
           <p:spPr>
             <a:xfrm>
-              <a:off x="3843802" y="1618080"/>
-              <a:ext cx="1989703" cy="707886"/>
+              <a:off x="3769287" y="1525240"/>
+              <a:ext cx="2078718" cy="769441"/>
             </a:xfrm>
             <a:prstGeom prst="rect">
               <a:avLst/>
@@ -3811,7 +3817,7 @@
                 <a:buAutoNum type="arabicPeriod"/>
               </a:pPr>
               <a:r>
-                <a:rPr lang="en-US" altLang="ko-KR" sz="1000" dirty="0"/>
+                <a:rPr lang="en-US" altLang="ko-KR" sz="1100" dirty="0"/>
                 <a:t>Temporary word</a:t>
               </a:r>
             </a:p>
@@ -3820,7 +3826,7 @@
                 <a:buAutoNum type="arabicPeriod"/>
               </a:pPr>
               <a:r>
-                <a:rPr lang="en-US" altLang="ko-KR" sz="1000" dirty="0"/>
+                <a:rPr lang="en-US" altLang="ko-KR" sz="1100" dirty="0"/>
                 <a:t>Decode sentence</a:t>
               </a:r>
             </a:p>
@@ -3829,7 +3835,7 @@
                 <a:buAutoNum type="arabicPeriod"/>
               </a:pPr>
               <a:r>
-                <a:rPr lang="en-US" altLang="ko-KR" sz="1000" dirty="0"/>
+                <a:rPr lang="en-US" altLang="ko-KR" sz="1100" dirty="0"/>
                 <a:t>Decode space sentence</a:t>
               </a:r>
             </a:p>
@@ -3838,10 +3844,10 @@
                 <a:buAutoNum type="arabicPeriod"/>
               </a:pPr>
               <a:r>
-                <a:rPr lang="en-US" altLang="ko-KR" sz="1000" dirty="0"/>
+                <a:rPr lang="en-US" altLang="ko-KR" sz="1100" dirty="0"/>
                 <a:t>Rescore space sentence</a:t>
               </a:r>
-              <a:endParaRPr lang="ko-KR" altLang="en-US" sz="1000" dirty="0"/>
+              <a:endParaRPr lang="ko-KR" altLang="en-US" sz="1100" dirty="0"/>
             </a:p>
           </p:txBody>
         </p:sp>
@@ -3953,8 +3959,8 @@
           </p:nvSpPr>
           <p:spPr>
             <a:xfrm>
-              <a:off x="3830825" y="2506346"/>
-              <a:ext cx="1989703" cy="400110"/>
+              <a:off x="3769287" y="2513162"/>
+              <a:ext cx="1989703" cy="430887"/>
             </a:xfrm>
             <a:prstGeom prst="rect">
               <a:avLst/>
@@ -3971,7 +3977,7 @@
                 <a:buAutoNum type="arabicPeriod"/>
               </a:pPr>
               <a:r>
-                <a:rPr lang="en-US" altLang="ko-KR" sz="1000" dirty="0"/>
+                <a:rPr lang="en-US" altLang="ko-KR" sz="1100" dirty="0"/>
                 <a:t>TTS speaker choice</a:t>
               </a:r>
             </a:p>
@@ -3980,10 +3986,10 @@
                 <a:buAutoNum type="arabicPeriod"/>
               </a:pPr>
               <a:r>
-                <a:rPr lang="en-US" altLang="ko-KR" sz="1000" dirty="0"/>
+                <a:rPr lang="en-US" altLang="ko-KR" sz="1100" dirty="0"/>
                 <a:t>Text for TTS</a:t>
               </a:r>
-              <a:endParaRPr lang="ko-KR" altLang="en-US" sz="1000" dirty="0"/>
+              <a:endParaRPr lang="ko-KR" altLang="en-US" sz="1100" dirty="0"/>
             </a:p>
           </p:txBody>
         </p:sp>
@@ -4050,7 +4056,7 @@
         <p:spPr>
           <a:xfrm>
             <a:off x="3825310" y="5410800"/>
-            <a:ext cx="1989703" cy="246221"/>
+            <a:ext cx="1989703" cy="261610"/>
           </a:xfrm>
           <a:prstGeom prst="rect">
             <a:avLst/>
@@ -4067,10 +4073,10 @@
               <a:buAutoNum type="arabicPeriod"/>
             </a:pPr>
             <a:r>
-              <a:rPr lang="en-US" altLang="ko-KR" sz="1000" dirty="0"/>
+              <a:rPr lang="en-US" altLang="ko-KR" sz="1100" dirty="0"/>
               <a:t>Phone voice</a:t>
             </a:r>
-            <a:endParaRPr lang="ko-KR" altLang="en-US" sz="1000" dirty="0"/>
+            <a:endParaRPr lang="ko-KR" altLang="en-US" sz="1100" dirty="0"/>
           </a:p>
         </p:txBody>
       </p:sp>
@@ -4280,7 +4286,7 @@
           <p:spPr>
             <a:xfrm>
               <a:off x="3851618" y="3448181"/>
-              <a:ext cx="1989703" cy="400110"/>
+              <a:ext cx="1989703" cy="430887"/>
             </a:xfrm>
             <a:prstGeom prst="rect">
               <a:avLst/>
@@ -4297,7 +4303,7 @@
                 <a:buAutoNum type="arabicPeriod"/>
               </a:pPr>
               <a:r>
-                <a:rPr lang="en-US" altLang="ko-KR" sz="1000" dirty="0"/>
+                <a:rPr lang="en-US" altLang="ko-KR" sz="1100" dirty="0"/>
                 <a:t>TTS speaker choice</a:t>
               </a:r>
             </a:p>
@@ -4306,10 +4312,10 @@
                 <a:buAutoNum type="arabicPeriod"/>
               </a:pPr>
               <a:r>
-                <a:rPr lang="en-US" altLang="ko-KR" sz="1000" dirty="0"/>
+                <a:rPr lang="en-US" altLang="ko-KR" sz="1100" dirty="0"/>
                 <a:t>Text for TTS</a:t>
               </a:r>
-              <a:endParaRPr lang="ko-KR" altLang="en-US" sz="1000" dirty="0"/>
+              <a:endParaRPr lang="ko-KR" altLang="en-US" sz="1100" dirty="0"/>
             </a:p>
           </p:txBody>
         </p:sp>
@@ -4375,7 +4381,7 @@
           <p:spPr>
             <a:xfrm>
               <a:off x="8037302" y="3448181"/>
-              <a:ext cx="1989703" cy="246221"/>
+              <a:ext cx="1989703" cy="261610"/>
             </a:xfrm>
             <a:prstGeom prst="rect">
               <a:avLst/>
@@ -4392,10 +4398,10 @@
                 <a:buAutoNum type="arabicPeriod"/>
               </a:pPr>
               <a:r>
-                <a:rPr lang="en-US" altLang="ko-KR" sz="1000" dirty="0"/>
+                <a:rPr lang="en-US" altLang="ko-KR" sz="1100" dirty="0"/>
                 <a:t>TTS wav (bytes format)</a:t>
               </a:r>
-              <a:endParaRPr lang="ko-KR" altLang="en-US" sz="1000" dirty="0"/>
+              <a:endParaRPr lang="ko-KR" altLang="en-US" sz="1100" dirty="0"/>
             </a:p>
           </p:txBody>
         </p:sp>
@@ -4404,6 +4410,796 @@
     <p:extLst>
       <p:ext uri="{BB962C8B-B14F-4D97-AF65-F5344CB8AC3E}">
         <p14:creationId xmlns:p14="http://schemas.microsoft.com/office/powerpoint/2010/main" val="1541221243"/>
+      </p:ext>
+    </p:extLst>
+  </p:cSld>
+  <p:clrMapOvr>
+    <a:masterClrMapping/>
+  </p:clrMapOvr>
+</p:sld>
+</file>
+
+<file path=ppt/slides/slide2.xml><?xml version="1.0" encoding="utf-8"?>
+<p:sld xmlns:a="http://schemas.openxmlformats.org/drawingml/2006/main" xmlns:r="http://schemas.openxmlformats.org/officeDocument/2006/relationships" xmlns:p="http://schemas.openxmlformats.org/presentationml/2006/main">
+  <p:cSld>
+    <p:spTree>
+      <p:nvGrpSpPr>
+        <p:cNvPr id="1" name=""/>
+        <p:cNvGrpSpPr/>
+        <p:nvPr/>
+      </p:nvGrpSpPr>
+      <p:grpSpPr>
+        <a:xfrm>
+          <a:off x="0" y="0"/>
+          <a:ext cx="0" cy="0"/>
+          <a:chOff x="0" y="0"/>
+          <a:chExt cx="0" cy="0"/>
+        </a:xfrm>
+      </p:grpSpPr>
+      <p:sp>
+        <p:nvSpPr>
+          <p:cNvPr id="4" name="사각형: 둥근 모서리 3">
+            <a:extLst>
+              <a:ext uri="{FF2B5EF4-FFF2-40B4-BE49-F238E27FC236}">
+                <a16:creationId xmlns:a16="http://schemas.microsoft.com/office/drawing/2014/main" id="{A05AE945-D07A-4A84-9907-C55D87F9CFC1}"/>
+              </a:ext>
+            </a:extLst>
+          </p:cNvPr>
+          <p:cNvSpPr/>
+          <p:nvPr/>
+        </p:nvSpPr>
+        <p:spPr>
+          <a:xfrm>
+            <a:off x="1270502" y="1598166"/>
+            <a:ext cx="9245098" cy="4370834"/>
+          </a:xfrm>
+          <a:prstGeom prst="roundRect">
+            <a:avLst>
+              <a:gd name="adj" fmla="val 6788"/>
+            </a:avLst>
+          </a:prstGeom>
+          <a:solidFill>
+            <a:schemeClr val="bg1"/>
+          </a:solidFill>
+          <a:ln w="38100">
+            <a:solidFill>
+              <a:schemeClr val="tx1"/>
+            </a:solidFill>
+          </a:ln>
+        </p:spPr>
+        <p:style>
+          <a:lnRef idx="2">
+            <a:schemeClr val="accent1">
+              <a:shade val="50000"/>
+            </a:schemeClr>
+          </a:lnRef>
+          <a:fillRef idx="1">
+            <a:schemeClr val="accent1"/>
+          </a:fillRef>
+          <a:effectRef idx="0">
+            <a:schemeClr val="accent1"/>
+          </a:effectRef>
+          <a:fontRef idx="minor">
+            <a:schemeClr val="lt1"/>
+          </a:fontRef>
+        </p:style>
+        <p:txBody>
+          <a:bodyPr rtlCol="0" anchor="ctr"/>
+          <a:lstStyle/>
+          <a:p>
+            <a:pPr algn="ctr"/>
+            <a:endParaRPr lang="ko-KR" altLang="en-US" dirty="0"/>
+          </a:p>
+        </p:txBody>
+      </p:sp>
+      <p:grpSp>
+        <p:nvGrpSpPr>
+          <p:cNvPr id="26" name="그룹 25">
+            <a:extLst>
+              <a:ext uri="{FF2B5EF4-FFF2-40B4-BE49-F238E27FC236}">
+                <a16:creationId xmlns:a16="http://schemas.microsoft.com/office/drawing/2014/main" id="{B2265412-6B4C-4713-9F41-393D085C8616}"/>
+              </a:ext>
+            </a:extLst>
+          </p:cNvPr>
+          <p:cNvGrpSpPr/>
+          <p:nvPr/>
+        </p:nvGrpSpPr>
+        <p:grpSpPr>
+          <a:xfrm>
+            <a:off x="1422902" y="2431487"/>
+            <a:ext cx="4444498" cy="3364785"/>
+            <a:chOff x="1422902" y="2479248"/>
+            <a:chExt cx="4444498" cy="3364785"/>
+          </a:xfrm>
+        </p:grpSpPr>
+        <p:sp>
+          <p:nvSpPr>
+            <p:cNvPr id="5" name="사각형: 둥근 모서리 4">
+              <a:extLst>
+                <a:ext uri="{FF2B5EF4-FFF2-40B4-BE49-F238E27FC236}">
+                  <a16:creationId xmlns:a16="http://schemas.microsoft.com/office/drawing/2014/main" id="{BC41EC73-33AD-4B43-9611-6A0F981D4F38}"/>
+                </a:ext>
+              </a:extLst>
+            </p:cNvPr>
+            <p:cNvSpPr/>
+            <p:nvPr/>
+          </p:nvSpPr>
+          <p:spPr>
+            <a:xfrm>
+              <a:off x="1422902" y="2479248"/>
+              <a:ext cx="4444498" cy="3364785"/>
+            </a:xfrm>
+            <a:prstGeom prst="roundRect">
+              <a:avLst>
+                <a:gd name="adj" fmla="val 26595"/>
+              </a:avLst>
+            </a:prstGeom>
+            <a:solidFill>
+              <a:schemeClr val="bg1"/>
+            </a:solidFill>
+            <a:ln w="38100">
+              <a:solidFill>
+                <a:schemeClr val="bg1">
+                  <a:lumMod val="65000"/>
+                </a:schemeClr>
+              </a:solidFill>
+              <a:prstDash val="dash"/>
+            </a:ln>
+          </p:spPr>
+          <p:style>
+            <a:lnRef idx="2">
+              <a:schemeClr val="accent1">
+                <a:shade val="50000"/>
+              </a:schemeClr>
+            </a:lnRef>
+            <a:fillRef idx="1">
+              <a:schemeClr val="accent1"/>
+            </a:fillRef>
+            <a:effectRef idx="0">
+              <a:schemeClr val="accent1"/>
+            </a:effectRef>
+            <a:fontRef idx="minor">
+              <a:schemeClr val="lt1"/>
+            </a:fontRef>
+          </p:style>
+          <p:txBody>
+            <a:bodyPr rtlCol="0" anchor="ctr"/>
+            <a:lstStyle/>
+            <a:p>
+              <a:pPr algn="ctr"/>
+              <a:endParaRPr lang="ko-KR" altLang="en-US" dirty="0">
+                <a:solidFill>
+                  <a:schemeClr val="tx1"/>
+                </a:solidFill>
+              </a:endParaRPr>
+            </a:p>
+          </p:txBody>
+        </p:sp>
+        <p:sp>
+          <p:nvSpPr>
+            <p:cNvPr id="9" name="TextBox 8">
+              <a:extLst>
+                <a:ext uri="{FF2B5EF4-FFF2-40B4-BE49-F238E27FC236}">
+                  <a16:creationId xmlns:a16="http://schemas.microsoft.com/office/drawing/2014/main" id="{E7054DC3-DCDA-4A51-BA6A-AF8C210A61AD}"/>
+                </a:ext>
+              </a:extLst>
+            </p:cNvPr>
+            <p:cNvSpPr txBox="1"/>
+            <p:nvPr/>
+          </p:nvSpPr>
+          <p:spPr>
+            <a:xfrm>
+              <a:off x="1876365" y="3204719"/>
+              <a:ext cx="1451295" cy="369332"/>
+            </a:xfrm>
+            <a:prstGeom prst="rect">
+              <a:avLst/>
+            </a:prstGeom>
+            <a:noFill/>
+          </p:spPr>
+          <p:txBody>
+            <a:bodyPr wrap="square" rtlCol="0">
+              <a:spAutoFit/>
+            </a:bodyPr>
+            <a:lstStyle/>
+            <a:p>
+              <a:r>
+                <a:rPr lang="ko-KR" altLang="en-US" dirty="0"/>
+                <a:t>실시간 음성</a:t>
+              </a:r>
+            </a:p>
+          </p:txBody>
+        </p:sp>
+        <p:sp>
+          <p:nvSpPr>
+            <p:cNvPr id="10" name="TextBox 9">
+              <a:extLst>
+                <a:ext uri="{FF2B5EF4-FFF2-40B4-BE49-F238E27FC236}">
+                  <a16:creationId xmlns:a16="http://schemas.microsoft.com/office/drawing/2014/main" id="{0D792678-022D-4E77-B814-8B864FDD7D65}"/>
+                </a:ext>
+              </a:extLst>
+            </p:cNvPr>
+            <p:cNvSpPr txBox="1"/>
+            <p:nvPr/>
+          </p:nvSpPr>
+          <p:spPr>
+            <a:xfrm>
+              <a:off x="3920939" y="3204719"/>
+              <a:ext cx="1797799" cy="369332"/>
+            </a:xfrm>
+            <a:prstGeom prst="rect">
+              <a:avLst/>
+            </a:prstGeom>
+            <a:noFill/>
+          </p:spPr>
+          <p:txBody>
+            <a:bodyPr wrap="square" rtlCol="0">
+              <a:spAutoFit/>
+            </a:bodyPr>
+            <a:lstStyle/>
+            <a:p>
+              <a:r>
+                <a:rPr lang="en-US" altLang="ko-KR" dirty="0"/>
+                <a:t>Decode</a:t>
+              </a:r>
+              <a:r>
+                <a:rPr lang="ko-KR" altLang="en-US" dirty="0"/>
+                <a:t>된 단어</a:t>
+              </a:r>
+            </a:p>
+          </p:txBody>
+        </p:sp>
+        <p:sp>
+          <p:nvSpPr>
+            <p:cNvPr id="11" name="TextBox 10">
+              <a:extLst>
+                <a:ext uri="{FF2B5EF4-FFF2-40B4-BE49-F238E27FC236}">
+                  <a16:creationId xmlns:a16="http://schemas.microsoft.com/office/drawing/2014/main" id="{7DF5380F-B8DC-4E3C-9FFD-3B3D20DA3E6F}"/>
+                </a:ext>
+              </a:extLst>
+            </p:cNvPr>
+            <p:cNvSpPr txBox="1"/>
+            <p:nvPr/>
+          </p:nvSpPr>
+          <p:spPr>
+            <a:xfrm>
+              <a:off x="1610612" y="4888659"/>
+              <a:ext cx="1797799" cy="369332"/>
+            </a:xfrm>
+            <a:prstGeom prst="rect">
+              <a:avLst/>
+            </a:prstGeom>
+            <a:noFill/>
+          </p:spPr>
+          <p:txBody>
+            <a:bodyPr wrap="square" rtlCol="0">
+              <a:spAutoFit/>
+            </a:bodyPr>
+            <a:lstStyle/>
+            <a:p>
+              <a:r>
+                <a:rPr lang="en-US" altLang="ko-KR" dirty="0"/>
+                <a:t>Decode</a:t>
+              </a:r>
+              <a:r>
+                <a:rPr lang="ko-KR" altLang="en-US" dirty="0"/>
+                <a:t>된 문장</a:t>
+              </a:r>
+            </a:p>
+          </p:txBody>
+        </p:sp>
+        <p:cxnSp>
+          <p:nvCxnSpPr>
+            <p:cNvPr id="12" name="직선 화살표 연결선 11">
+              <a:extLst>
+                <a:ext uri="{FF2B5EF4-FFF2-40B4-BE49-F238E27FC236}">
+                  <a16:creationId xmlns:a16="http://schemas.microsoft.com/office/drawing/2014/main" id="{E349F23B-7382-4962-BEE9-30C239651A4F}"/>
+                </a:ext>
+              </a:extLst>
+            </p:cNvPr>
+            <p:cNvCxnSpPr>
+              <a:cxnSpLocks/>
+            </p:cNvCxnSpPr>
+            <p:nvPr/>
+          </p:nvCxnSpPr>
+          <p:spPr>
+            <a:xfrm>
+              <a:off x="3323571" y="3385534"/>
+              <a:ext cx="597367" cy="0"/>
+            </a:xfrm>
+            <a:prstGeom prst="straightConnector1">
+              <a:avLst/>
+            </a:prstGeom>
+            <a:ln>
+              <a:solidFill>
+                <a:schemeClr val="tx1">
+                  <a:lumMod val="65000"/>
+                  <a:lumOff val="35000"/>
+                </a:schemeClr>
+              </a:solidFill>
+              <a:tailEnd type="triangle"/>
+            </a:ln>
+          </p:spPr>
+          <p:style>
+            <a:lnRef idx="1">
+              <a:schemeClr val="accent1"/>
+            </a:lnRef>
+            <a:fillRef idx="0">
+              <a:schemeClr val="accent1"/>
+            </a:fillRef>
+            <a:effectRef idx="0">
+              <a:schemeClr val="accent1"/>
+            </a:effectRef>
+            <a:fontRef idx="minor">
+              <a:schemeClr val="tx1"/>
+            </a:fontRef>
+          </p:style>
+        </p:cxnSp>
+        <p:cxnSp>
+          <p:nvCxnSpPr>
+            <p:cNvPr id="15" name="직선 화살표 연결선 14">
+              <a:extLst>
+                <a:ext uri="{FF2B5EF4-FFF2-40B4-BE49-F238E27FC236}">
+                  <a16:creationId xmlns:a16="http://schemas.microsoft.com/office/drawing/2014/main" id="{6CC2755E-6DA6-4247-A477-077D8FA8A32B}"/>
+                </a:ext>
+              </a:extLst>
+            </p:cNvPr>
+            <p:cNvCxnSpPr>
+              <a:cxnSpLocks/>
+            </p:cNvCxnSpPr>
+            <p:nvPr/>
+          </p:nvCxnSpPr>
+          <p:spPr>
+            <a:xfrm>
+              <a:off x="2602011" y="3669574"/>
+              <a:ext cx="0" cy="1123562"/>
+            </a:xfrm>
+            <a:prstGeom prst="straightConnector1">
+              <a:avLst/>
+            </a:prstGeom>
+            <a:ln>
+              <a:solidFill>
+                <a:schemeClr val="tx1">
+                  <a:lumMod val="65000"/>
+                  <a:lumOff val="35000"/>
+                </a:schemeClr>
+              </a:solidFill>
+              <a:tailEnd type="triangle"/>
+            </a:ln>
+          </p:spPr>
+          <p:style>
+            <a:lnRef idx="1">
+              <a:schemeClr val="accent1"/>
+            </a:lnRef>
+            <a:fillRef idx="0">
+              <a:schemeClr val="accent1"/>
+            </a:fillRef>
+            <a:effectRef idx="0">
+              <a:schemeClr val="accent1"/>
+            </a:effectRef>
+            <a:fontRef idx="minor">
+              <a:schemeClr val="tx1"/>
+            </a:fontRef>
+          </p:style>
+        </p:cxnSp>
+        <p:sp>
+          <p:nvSpPr>
+            <p:cNvPr id="17" name="TextBox 16">
+              <a:extLst>
+                <a:ext uri="{FF2B5EF4-FFF2-40B4-BE49-F238E27FC236}">
+                  <a16:creationId xmlns:a16="http://schemas.microsoft.com/office/drawing/2014/main" id="{7D438246-C6F8-43E0-84DE-167B58963C4F}"/>
+                </a:ext>
+              </a:extLst>
+            </p:cNvPr>
+            <p:cNvSpPr txBox="1"/>
+            <p:nvPr/>
+          </p:nvSpPr>
+          <p:spPr>
+            <a:xfrm>
+              <a:off x="1521016" y="3989576"/>
+              <a:ext cx="1385195" cy="261610"/>
+            </a:xfrm>
+            <a:prstGeom prst="rect">
+              <a:avLst/>
+            </a:prstGeom>
+            <a:noFill/>
+          </p:spPr>
+          <p:txBody>
+            <a:bodyPr wrap="square" rtlCol="0">
+              <a:spAutoFit/>
+            </a:bodyPr>
+            <a:lstStyle/>
+            <a:p>
+              <a:r>
+                <a:rPr lang="en-US" altLang="ko-KR" sz="1100" dirty="0"/>
+                <a:t>End point </a:t>
+              </a:r>
+              <a:r>
+                <a:rPr lang="ko-KR" altLang="en-US" sz="1100" dirty="0"/>
+                <a:t>발생</a:t>
+              </a:r>
+            </a:p>
+          </p:txBody>
+        </p:sp>
+        <p:sp>
+          <p:nvSpPr>
+            <p:cNvPr id="19" name="TextBox 18">
+              <a:extLst>
+                <a:ext uri="{FF2B5EF4-FFF2-40B4-BE49-F238E27FC236}">
+                  <a16:creationId xmlns:a16="http://schemas.microsoft.com/office/drawing/2014/main" id="{D834EDD2-C110-43E5-A3E3-5C87A274AA44}"/>
+                </a:ext>
+              </a:extLst>
+            </p:cNvPr>
+            <p:cNvSpPr txBox="1"/>
+            <p:nvPr/>
+          </p:nvSpPr>
+          <p:spPr>
+            <a:xfrm>
+              <a:off x="3920938" y="4890502"/>
+              <a:ext cx="1797799" cy="369332"/>
+            </a:xfrm>
+            <a:prstGeom prst="rect">
+              <a:avLst/>
+            </a:prstGeom>
+            <a:noFill/>
+          </p:spPr>
+          <p:txBody>
+            <a:bodyPr wrap="square" rtlCol="0">
+              <a:spAutoFit/>
+            </a:bodyPr>
+            <a:lstStyle/>
+            <a:p>
+              <a:r>
+                <a:rPr lang="en-US" altLang="ko-KR" dirty="0"/>
+                <a:t>Rescore</a:t>
+              </a:r>
+              <a:r>
+                <a:rPr lang="ko-KR" altLang="en-US" dirty="0"/>
+                <a:t>된 문장</a:t>
+              </a:r>
+            </a:p>
+          </p:txBody>
+        </p:sp>
+        <p:cxnSp>
+          <p:nvCxnSpPr>
+            <p:cNvPr id="20" name="직선 화살표 연결선 19">
+              <a:extLst>
+                <a:ext uri="{FF2B5EF4-FFF2-40B4-BE49-F238E27FC236}">
+                  <a16:creationId xmlns:a16="http://schemas.microsoft.com/office/drawing/2014/main" id="{E28F1D0F-7CFD-4B6B-8972-C60E96B95E56}"/>
+                </a:ext>
+              </a:extLst>
+            </p:cNvPr>
+            <p:cNvCxnSpPr>
+              <a:cxnSpLocks/>
+            </p:cNvCxnSpPr>
+            <p:nvPr/>
+          </p:nvCxnSpPr>
+          <p:spPr>
+            <a:xfrm>
+              <a:off x="3323570" y="5071317"/>
+              <a:ext cx="597367" cy="0"/>
+            </a:xfrm>
+            <a:prstGeom prst="straightConnector1">
+              <a:avLst/>
+            </a:prstGeom>
+            <a:ln>
+              <a:solidFill>
+                <a:schemeClr val="tx1">
+                  <a:lumMod val="65000"/>
+                  <a:lumOff val="35000"/>
+                </a:schemeClr>
+              </a:solidFill>
+              <a:tailEnd type="triangle"/>
+            </a:ln>
+          </p:spPr>
+          <p:style>
+            <a:lnRef idx="1">
+              <a:schemeClr val="accent1"/>
+            </a:lnRef>
+            <a:fillRef idx="0">
+              <a:schemeClr val="accent1"/>
+            </a:fillRef>
+            <a:effectRef idx="0">
+              <a:schemeClr val="accent1"/>
+            </a:effectRef>
+            <a:fontRef idx="minor">
+              <a:schemeClr val="tx1"/>
+            </a:fontRef>
+          </p:style>
+        </p:cxnSp>
+      </p:grpSp>
+      <p:sp>
+        <p:nvSpPr>
+          <p:cNvPr id="21" name="TextBox 20">
+            <a:extLst>
+              <a:ext uri="{FF2B5EF4-FFF2-40B4-BE49-F238E27FC236}">
+                <a16:creationId xmlns:a16="http://schemas.microsoft.com/office/drawing/2014/main" id="{38DE9FD2-70C0-4F2C-87A4-7CD73FA3471D}"/>
+              </a:ext>
+            </a:extLst>
+          </p:cNvPr>
+          <p:cNvSpPr txBox="1"/>
+          <p:nvPr/>
+        </p:nvSpPr>
+        <p:spPr>
+          <a:xfrm>
+            <a:off x="4823109" y="924226"/>
+            <a:ext cx="2139884" cy="523220"/>
+          </a:xfrm>
+          <a:prstGeom prst="rect">
+            <a:avLst/>
+          </a:prstGeom>
+          <a:noFill/>
+        </p:spPr>
+        <p:txBody>
+          <a:bodyPr wrap="square" rtlCol="0">
+            <a:spAutoFit/>
+          </a:bodyPr>
+          <a:lstStyle/>
+          <a:p>
+            <a:r>
+              <a:rPr lang="en-US" altLang="ko-KR" sz="2800" dirty="0"/>
+              <a:t>Main server</a:t>
+            </a:r>
+            <a:endParaRPr lang="ko-KR" altLang="en-US" sz="2800" dirty="0"/>
+          </a:p>
+        </p:txBody>
+      </p:sp>
+      <p:sp>
+        <p:nvSpPr>
+          <p:cNvPr id="22" name="TextBox 21">
+            <a:extLst>
+              <a:ext uri="{FF2B5EF4-FFF2-40B4-BE49-F238E27FC236}">
+                <a16:creationId xmlns:a16="http://schemas.microsoft.com/office/drawing/2014/main" id="{7E6FE71D-D6A9-48C7-9DB8-99B9F1359438}"/>
+              </a:ext>
+            </a:extLst>
+          </p:cNvPr>
+          <p:cNvSpPr txBox="1"/>
+          <p:nvPr/>
+        </p:nvSpPr>
+        <p:spPr>
+          <a:xfrm>
+            <a:off x="3238121" y="1780129"/>
+            <a:ext cx="814059" cy="523220"/>
+          </a:xfrm>
+          <a:prstGeom prst="rect">
+            <a:avLst/>
+          </a:prstGeom>
+          <a:noFill/>
+        </p:spPr>
+        <p:txBody>
+          <a:bodyPr wrap="square" rtlCol="0">
+            <a:spAutoFit/>
+          </a:bodyPr>
+          <a:lstStyle/>
+          <a:p>
+            <a:r>
+              <a:rPr lang="en-US" altLang="ko-KR" sz="2800" dirty="0"/>
+              <a:t>STT</a:t>
+            </a:r>
+            <a:endParaRPr lang="ko-KR" altLang="en-US" sz="2800" dirty="0"/>
+          </a:p>
+        </p:txBody>
+      </p:sp>
+      <p:grpSp>
+        <p:nvGrpSpPr>
+          <p:cNvPr id="27" name="그룹 26">
+            <a:extLst>
+              <a:ext uri="{FF2B5EF4-FFF2-40B4-BE49-F238E27FC236}">
+                <a16:creationId xmlns:a16="http://schemas.microsoft.com/office/drawing/2014/main" id="{B6D1F33F-6C39-4393-B1B4-5CEDBC521011}"/>
+              </a:ext>
+            </a:extLst>
+          </p:cNvPr>
+          <p:cNvGrpSpPr/>
+          <p:nvPr/>
+        </p:nvGrpSpPr>
+        <p:grpSpPr>
+          <a:xfrm>
+            <a:off x="5965514" y="2431486"/>
+            <a:ext cx="4444498" cy="3364786"/>
+            <a:chOff x="5969251" y="2479248"/>
+            <a:chExt cx="4444498" cy="3364786"/>
+          </a:xfrm>
+        </p:grpSpPr>
+        <p:sp>
+          <p:nvSpPr>
+            <p:cNvPr id="14" name="사각형: 둥근 모서리 13">
+              <a:extLst>
+                <a:ext uri="{FF2B5EF4-FFF2-40B4-BE49-F238E27FC236}">
+                  <a16:creationId xmlns:a16="http://schemas.microsoft.com/office/drawing/2014/main" id="{07D50BEC-A031-472F-AE06-184312B3AB0E}"/>
+                </a:ext>
+              </a:extLst>
+            </p:cNvPr>
+            <p:cNvSpPr/>
+            <p:nvPr/>
+          </p:nvSpPr>
+          <p:spPr>
+            <a:xfrm>
+              <a:off x="5969251" y="2479248"/>
+              <a:ext cx="4444498" cy="3364786"/>
+            </a:xfrm>
+            <a:prstGeom prst="roundRect">
+              <a:avLst>
+                <a:gd name="adj" fmla="val 26595"/>
+              </a:avLst>
+            </a:prstGeom>
+            <a:solidFill>
+              <a:schemeClr val="bg1"/>
+            </a:solidFill>
+            <a:ln w="38100">
+              <a:solidFill>
+                <a:schemeClr val="bg1">
+                  <a:lumMod val="65000"/>
+                </a:schemeClr>
+              </a:solidFill>
+              <a:prstDash val="dash"/>
+            </a:ln>
+          </p:spPr>
+          <p:style>
+            <a:lnRef idx="2">
+              <a:schemeClr val="accent1">
+                <a:shade val="50000"/>
+              </a:schemeClr>
+            </a:lnRef>
+            <a:fillRef idx="1">
+              <a:schemeClr val="accent1"/>
+            </a:fillRef>
+            <a:effectRef idx="0">
+              <a:schemeClr val="accent1"/>
+            </a:effectRef>
+            <a:fontRef idx="minor">
+              <a:schemeClr val="lt1"/>
+            </a:fontRef>
+          </p:style>
+          <p:txBody>
+            <a:bodyPr rtlCol="0" anchor="ctr"/>
+            <a:lstStyle/>
+            <a:p>
+              <a:pPr marL="342900" indent="-342900">
+                <a:buAutoNum type="arabicPeriod"/>
+              </a:pPr>
+              <a:endParaRPr lang="ko-KR" altLang="en-US" dirty="0">
+                <a:solidFill>
+                  <a:schemeClr val="tx1"/>
+                </a:solidFill>
+              </a:endParaRPr>
+            </a:p>
+          </p:txBody>
+        </p:sp>
+        <p:sp>
+          <p:nvSpPr>
+            <p:cNvPr id="24" name="TextBox 23">
+              <a:extLst>
+                <a:ext uri="{FF2B5EF4-FFF2-40B4-BE49-F238E27FC236}">
+                  <a16:creationId xmlns:a16="http://schemas.microsoft.com/office/drawing/2014/main" id="{07CE2E79-9A53-4EE5-AA05-BB23E9F0463C}"/>
+                </a:ext>
+              </a:extLst>
+            </p:cNvPr>
+            <p:cNvSpPr txBox="1"/>
+            <p:nvPr/>
+          </p:nvSpPr>
+          <p:spPr>
+            <a:xfrm>
+              <a:off x="6625916" y="3010301"/>
+              <a:ext cx="3346515" cy="2220160"/>
+            </a:xfrm>
+            <a:prstGeom prst="rect">
+              <a:avLst/>
+            </a:prstGeom>
+            <a:noFill/>
+          </p:spPr>
+          <p:txBody>
+            <a:bodyPr wrap="square" rtlCol="0">
+              <a:spAutoFit/>
+            </a:bodyPr>
+            <a:lstStyle/>
+            <a:p>
+              <a:pPr marL="342900" indent="-342900">
+                <a:lnSpc>
+                  <a:spcPct val="200000"/>
+                </a:lnSpc>
+                <a:buAutoNum type="arabicPeriod"/>
+              </a:pPr>
+              <a:r>
+                <a:rPr lang="en-US" altLang="ko-KR" dirty="0">
+                  <a:solidFill>
+                    <a:schemeClr val="tx1"/>
+                  </a:solidFill>
+                </a:rPr>
+                <a:t> Spacing Client</a:t>
+              </a:r>
+            </a:p>
+            <a:p>
+              <a:pPr marL="342900" indent="-342900">
+                <a:lnSpc>
+                  <a:spcPct val="200000"/>
+                </a:lnSpc>
+                <a:buAutoNum type="arabicPeriod"/>
+              </a:pPr>
+              <a:r>
+                <a:rPr lang="en-US" altLang="ko-KR" dirty="0">
+                  <a:solidFill>
+                    <a:schemeClr val="tx1"/>
+                  </a:solidFill>
+                </a:rPr>
+                <a:t> TTS &amp; Sentimental Server</a:t>
+              </a:r>
+            </a:p>
+            <a:p>
+              <a:pPr marL="342900" indent="-342900">
+                <a:lnSpc>
+                  <a:spcPct val="200000"/>
+                </a:lnSpc>
+                <a:buAutoNum type="arabicPeriod"/>
+              </a:pPr>
+              <a:r>
+                <a:rPr lang="en-US" altLang="ko-KR" dirty="0">
+                  <a:solidFill>
+                    <a:schemeClr val="tx1"/>
+                  </a:solidFill>
+                </a:rPr>
+                <a:t> Chatting Client</a:t>
+              </a:r>
+            </a:p>
+            <a:p>
+              <a:pPr marL="342900" indent="-342900">
+                <a:lnSpc>
+                  <a:spcPct val="200000"/>
+                </a:lnSpc>
+                <a:buAutoNum type="arabicPeriod"/>
+              </a:pPr>
+              <a:r>
+                <a:rPr lang="en-US" altLang="ko-KR" dirty="0">
+                  <a:solidFill>
+                    <a:schemeClr val="tx1"/>
+                  </a:solidFill>
+                </a:rPr>
+                <a:t> Voice Send Client</a:t>
+              </a:r>
+              <a:endParaRPr lang="ko-KR" altLang="en-US" dirty="0"/>
+            </a:p>
+          </p:txBody>
+        </p:sp>
+      </p:grpSp>
+      <p:sp>
+        <p:nvSpPr>
+          <p:cNvPr id="25" name="TextBox 24">
+            <a:extLst>
+              <a:ext uri="{FF2B5EF4-FFF2-40B4-BE49-F238E27FC236}">
+                <a16:creationId xmlns:a16="http://schemas.microsoft.com/office/drawing/2014/main" id="{E3D86D71-D028-4B46-B82D-6A99BC6D56D1}"/>
+              </a:ext>
+            </a:extLst>
+          </p:cNvPr>
+          <p:cNvSpPr txBox="1"/>
+          <p:nvPr/>
+        </p:nvSpPr>
+        <p:spPr>
+          <a:xfrm>
+            <a:off x="7662805" y="1780129"/>
+            <a:ext cx="1265262" cy="523220"/>
+          </a:xfrm>
+          <a:prstGeom prst="rect">
+            <a:avLst/>
+          </a:prstGeom>
+          <a:noFill/>
+        </p:spPr>
+        <p:txBody>
+          <a:bodyPr wrap="square" rtlCol="0">
+            <a:spAutoFit/>
+          </a:bodyPr>
+          <a:lstStyle/>
+          <a:p>
+            <a:r>
+              <a:rPr lang="en-US" altLang="ko-KR" sz="2800" dirty="0"/>
+              <a:t>Server</a:t>
+            </a:r>
+            <a:endParaRPr lang="ko-KR" altLang="en-US" sz="2800" dirty="0"/>
+          </a:p>
+        </p:txBody>
+      </p:sp>
+    </p:spTree>
+    <p:extLst>
+      <p:ext uri="{BB962C8B-B14F-4D97-AF65-F5344CB8AC3E}">
+        <p14:creationId xmlns:p14="http://schemas.microsoft.com/office/powerpoint/2010/main" val="1525027355"/>
       </p:ext>
     </p:extLst>
   </p:cSld>
